--- a/Recipe Repository.pptx
+++ b/Recipe Repository.pptx
@@ -620,7 +620,7 @@
           <a:p>
             <a:fld id="{BC21C3D3-DA2E-4C04-BB08-1B0284E649B6}" type="datetimeFigureOut">
               <a:rPr lang="en-US" smtClean="0"/>
-              <a:t>11/16/2020</a:t>
+              <a:t>11/17/2020</a:t>
             </a:fld>
             <a:endParaRPr lang="en-US"/>
           </a:p>
@@ -916,7 +916,7 @@
           <a:p>
             <a:fld id="{BC21C3D3-DA2E-4C04-BB08-1B0284E649B6}" type="datetimeFigureOut">
               <a:rPr lang="en-US" smtClean="0"/>
-              <a:t>11/16/2020</a:t>
+              <a:t>11/17/2020</a:t>
             </a:fld>
             <a:endParaRPr lang="en-US"/>
           </a:p>
@@ -1164,7 +1164,7 @@
           <a:p>
             <a:fld id="{BC21C3D3-DA2E-4C04-BB08-1B0284E649B6}" type="datetimeFigureOut">
               <a:rPr lang="en-US" smtClean="0"/>
-              <a:t>11/16/2020</a:t>
+              <a:t>11/17/2020</a:t>
             </a:fld>
             <a:endParaRPr lang="en-US"/>
           </a:p>
@@ -1704,7 +1704,7 @@
           <a:p>
             <a:fld id="{BC21C3D3-DA2E-4C04-BB08-1B0284E649B6}" type="datetimeFigureOut">
               <a:rPr lang="en-US" smtClean="0"/>
-              <a:t>11/16/2020</a:t>
+              <a:t>11/17/2020</a:t>
             </a:fld>
             <a:endParaRPr lang="en-US"/>
           </a:p>
@@ -1952,7 +1952,7 @@
           <a:p>
             <a:fld id="{BC21C3D3-DA2E-4C04-BB08-1B0284E649B6}" type="datetimeFigureOut">
               <a:rPr lang="en-US" smtClean="0"/>
-              <a:t>11/16/2020</a:t>
+              <a:t>11/17/2020</a:t>
             </a:fld>
             <a:endParaRPr lang="en-US"/>
           </a:p>
@@ -2484,7 +2484,7 @@
           <a:p>
             <a:fld id="{BC21C3D3-DA2E-4C04-BB08-1B0284E649B6}" type="datetimeFigureOut">
               <a:rPr lang="en-US" smtClean="0"/>
-              <a:t>11/16/2020</a:t>
+              <a:t>11/17/2020</a:t>
             </a:fld>
             <a:endParaRPr lang="en-US"/>
           </a:p>
@@ -2781,7 +2781,7 @@
           <a:p>
             <a:fld id="{BC21C3D3-DA2E-4C04-BB08-1B0284E649B6}" type="datetimeFigureOut">
               <a:rPr lang="en-US" smtClean="0"/>
-              <a:t>11/16/2020</a:t>
+              <a:t>11/17/2020</a:t>
             </a:fld>
             <a:endParaRPr lang="en-US"/>
           </a:p>
@@ -2955,7 +2955,7 @@
           <a:p>
             <a:fld id="{BC21C3D3-DA2E-4C04-BB08-1B0284E649B6}" type="datetimeFigureOut">
               <a:rPr lang="en-US" smtClean="0"/>
-              <a:t>11/16/2020</a:t>
+              <a:t>11/17/2020</a:t>
             </a:fld>
             <a:endParaRPr lang="en-US"/>
           </a:p>
@@ -3135,7 +3135,7 @@
           <a:p>
             <a:fld id="{BC21C3D3-DA2E-4C04-BB08-1B0284E649B6}" type="datetimeFigureOut">
               <a:rPr lang="en-US" smtClean="0"/>
-              <a:t>11/16/2020</a:t>
+              <a:t>11/17/2020</a:t>
             </a:fld>
             <a:endParaRPr lang="en-US"/>
           </a:p>
@@ -3305,7 +3305,7 @@
           <a:p>
             <a:fld id="{BC21C3D3-DA2E-4C04-BB08-1B0284E649B6}" type="datetimeFigureOut">
               <a:rPr lang="en-US" smtClean="0"/>
-              <a:t>11/16/2020</a:t>
+              <a:t>11/17/2020</a:t>
             </a:fld>
             <a:endParaRPr lang="en-US"/>
           </a:p>
@@ -3556,7 +3556,7 @@
           <a:p>
             <a:fld id="{BC21C3D3-DA2E-4C04-BB08-1B0284E649B6}" type="datetimeFigureOut">
               <a:rPr lang="en-US" smtClean="0"/>
-              <a:t>11/16/2020</a:t>
+              <a:t>11/17/2020</a:t>
             </a:fld>
             <a:endParaRPr lang="en-US"/>
           </a:p>
@@ -3853,7 +3853,7 @@
           <a:p>
             <a:fld id="{BC21C3D3-DA2E-4C04-BB08-1B0284E649B6}" type="datetimeFigureOut">
               <a:rPr lang="en-US" smtClean="0"/>
-              <a:t>11/16/2020</a:t>
+              <a:t>11/17/2020</a:t>
             </a:fld>
             <a:endParaRPr lang="en-US"/>
           </a:p>
@@ -4295,7 +4295,7 @@
           <a:p>
             <a:fld id="{BC21C3D3-DA2E-4C04-BB08-1B0284E649B6}" type="datetimeFigureOut">
               <a:rPr lang="en-US" smtClean="0"/>
-              <a:t>11/16/2020</a:t>
+              <a:t>11/17/2020</a:t>
             </a:fld>
             <a:endParaRPr lang="en-US"/>
           </a:p>
@@ -4413,7 +4413,7 @@
           <a:p>
             <a:fld id="{BC21C3D3-DA2E-4C04-BB08-1B0284E649B6}" type="datetimeFigureOut">
               <a:rPr lang="en-US" smtClean="0"/>
-              <a:t>11/16/2020</a:t>
+              <a:t>11/17/2020</a:t>
             </a:fld>
             <a:endParaRPr lang="en-US"/>
           </a:p>
@@ -4508,7 +4508,7 @@
           <a:p>
             <a:fld id="{BC21C3D3-DA2E-4C04-BB08-1B0284E649B6}" type="datetimeFigureOut">
               <a:rPr lang="en-US" smtClean="0"/>
-              <a:t>11/16/2020</a:t>
+              <a:t>11/17/2020</a:t>
             </a:fld>
             <a:endParaRPr lang="en-US"/>
           </a:p>
@@ -4791,7 +4791,7 @@
           <a:p>
             <a:fld id="{BC21C3D3-DA2E-4C04-BB08-1B0284E649B6}" type="datetimeFigureOut">
               <a:rPr lang="en-US" smtClean="0"/>
-              <a:t>11/16/2020</a:t>
+              <a:t>11/17/2020</a:t>
             </a:fld>
             <a:endParaRPr lang="en-US"/>
           </a:p>
@@ -5082,7 +5082,7 @@
           <a:p>
             <a:fld id="{BC21C3D3-DA2E-4C04-BB08-1B0284E649B6}" type="datetimeFigureOut">
               <a:rPr lang="en-US" smtClean="0"/>
-              <a:t>11/16/2020</a:t>
+              <a:t>11/17/2020</a:t>
             </a:fld>
             <a:endParaRPr lang="en-US"/>
           </a:p>
@@ -5612,7 +5612,7 @@
           <a:p>
             <a:fld id="{BC21C3D3-DA2E-4C04-BB08-1B0284E649B6}" type="datetimeFigureOut">
               <a:rPr lang="en-US" smtClean="0"/>
-              <a:t>11/16/2020</a:t>
+              <a:t>11/17/2020</a:t>
             </a:fld>
             <a:endParaRPr lang="en-US"/>
           </a:p>
@@ -6636,6 +6636,17 @@
           <a:p>
             <a:r>
               <a:rPr lang="en-US" dirty="0"/>
+              <a:t>Measurement </a:t>
+            </a:r>
+            <a:r>
+              <a:rPr lang="en-US"/>
+              <a:t>Unit Converter</a:t>
+            </a:r>
+            <a:endParaRPr lang="en-US" dirty="0"/>
+          </a:p>
+          <a:p>
+            <a:r>
+              <a:rPr lang="en-US" dirty="0"/>
               <a:t>If you don’t have specific ingredient for recipe, database can offer alternatives</a:t>
             </a:r>
           </a:p>
